--- a/Green_Aluminium_Sustainability/PLEDGE_TO_PROGRES_Microsoft_Sustainability-Green Aluminium.pptx
+++ b/Green_Aluminium_Sustainability/PLEDGE_TO_PROGRES_Microsoft_Sustainability-Green Aluminium.pptx
@@ -281,7 +281,7 @@
       <p15:sldGuideLst xmlns:p15="http://schemas.microsoft.com/office/powerpoint/2012/main"/>
     </p:ext>
     <p:ext uri="http://customooxmlschemas.google.com/">
-      <go:slidesCustomData xmlns="" xmlns:mc="http://schemas.openxmlformats.org/markup-compatibility/2006" xmlns:mv="urn:schemas-microsoft-com:mac:vml" xmlns:c="http://schemas.openxmlformats.org/drawingml/2006/chart" xmlns:dgm="http://schemas.openxmlformats.org/drawingml/2006/diagram" xmlns:o="urn:schemas-microsoft-com:office:office" xmlns:v="urn:schemas-microsoft-com:vml" xmlns:pvml="urn:schemas-microsoft-com:office:powerpoint" xmlns:com="http://schemas.openxmlformats.org/drawingml/2006/compatibility" xmlns:p14="http://schemas.microsoft.com/office/powerpoint/2010/main" xmlns:p15="http://schemas.microsoft.com/office/powerpoint/2012/main" xmlns:ahyp="http://schemas.microsoft.com/office/drawing/2018/hyperlinkcolor" xmlns:go="http://customooxmlschemas.google.com/" r:id="rId25" roundtripDataSignature="AMtx7mg4ID0MW+58A5oAZz0iuzSAYbU9/A=="/>
+      <go:slidesCustomData xmlns:go="http://customooxmlschemas.google.com/" xmlns:ahyp="http://schemas.microsoft.com/office/drawing/2018/hyperlinkcolor" xmlns:p15="http://schemas.microsoft.com/office/powerpoint/2012/main" xmlns:p14="http://schemas.microsoft.com/office/powerpoint/2010/main" xmlns:com="http://schemas.openxmlformats.org/drawingml/2006/compatibility" xmlns:pvml="urn:schemas-microsoft-com:office:powerpoint" xmlns:v="urn:schemas-microsoft-com:vml" xmlns:o="urn:schemas-microsoft-com:office:office" xmlns:dgm="http://schemas.openxmlformats.org/drawingml/2006/diagram" xmlns:c="http://schemas.openxmlformats.org/drawingml/2006/chart" xmlns:mv="urn:schemas-microsoft-com:mac:vml" xmlns:mc="http://schemas.openxmlformats.org/markup-compatibility/2006" xmlns="" r:id="rId25" roundtripDataSignature="AMtx7mg4ID0MW+58A5oAZz0iuzSAYbU9/A=="/>
     </p:ext>
   </p:extLst>
 </p:presentation>
@@ -35594,7 +35594,7 @@
         <p:spPr>
           <a:xfrm>
             <a:off x="202721" y="2914651"/>
-            <a:ext cx="5681612" cy="2031325"/>
+            <a:ext cx="5681612" cy="2246769"/>
           </a:xfrm>
           <a:prstGeom prst="rect">
             <a:avLst/>
@@ -35624,7 +35624,15 @@
           <a:p>
             <a:r>
               <a:rPr lang="en-US" dirty="0"/>
-              <a:t>Your team bio : Sandip Mitra, Senthil Ramachandran, Prasanna Shrinivas Venkataraman, Tamaghna Mandal, Maitreya Samanta, Sanjeet Phoughat, Abirami, Gyasuddin Sheik, Shravankumar Muradalai, Venkat Kumar Paladi</a:t>
+              <a:t>Your team bio : Sandip Mitra, Senthil Ramachandran, Prasanna Shrinivas Venkataraman, Tamaghna Mandal, Maitreya Samanta, Sanjeet Phoughat, Abirami, Gyasuddin Sheik, Shravankumar Muradalai, Venkat Kumar </a:t>
+            </a:r>
+            <a:r>
+              <a:rPr lang="en-US" dirty="0" err="1"/>
+              <a:t>Paladi</a:t>
+            </a:r>
+            <a:r>
+              <a:rPr lang="en-US" dirty="0"/>
+              <a:t>, Srinivas Boddula, Brundavanam V Ravikiran</a:t>
             </a:r>
           </a:p>
           <a:p>
